--- a/Visionneuse/images/Header.pptx
+++ b/Visionneuse/images/Header.pptx
@@ -10,6 +10,7 @@
     <p:sldId id="258" r:id="rId4"/>
     <p:sldId id="259" r:id="rId5"/>
     <p:sldId id="260" r:id="rId6"/>
+    <p:sldId id="261" r:id="rId7"/>
   </p:sldIdLst>
   <p:sldSz cx="12192000" cy="6858000"/>
   <p:notesSz cx="6858000" cy="9144000"/>
@@ -158,10 +159,9 @@
           </a:lstStyle>
           <a:p>
             <a:r>
-              <a:rPr lang="fr-FR" smtClean="0"/>
+              <a:rPr lang="fr-FR"/>
               <a:t>Modifiez le style du titre</a:t>
             </a:r>
-            <a:endParaRPr lang="fr-FR"/>
           </a:p>
         </p:txBody>
       </p:sp>
@@ -223,10 +223,9 @@
           </a:lstStyle>
           <a:p>
             <a:r>
-              <a:rPr lang="fr-FR" smtClean="0"/>
+              <a:rPr lang="fr-FR"/>
               <a:t>Modifiez le style des sous-titres du masque</a:t>
             </a:r>
-            <a:endParaRPr lang="fr-FR"/>
           </a:p>
         </p:txBody>
       </p:sp>
@@ -247,7 +246,7 @@
           <a:p>
             <a:fld id="{27875E62-1D45-4935-A64B-EA891B8E2C1E}" type="datetimeFigureOut">
               <a:rPr lang="fr-FR" smtClean="0"/>
-              <a:t>20/10/2018</a:t>
+              <a:t>27/07/2019</a:t>
             </a:fld>
             <a:endParaRPr lang="fr-FR"/>
           </a:p>
@@ -341,10 +340,9 @@
           <a:lstStyle/>
           <a:p>
             <a:r>
-              <a:rPr lang="fr-FR" smtClean="0"/>
+              <a:rPr lang="fr-FR"/>
               <a:t>Modifiez le style du titre</a:t>
             </a:r>
-            <a:endParaRPr lang="fr-FR"/>
           </a:p>
         </p:txBody>
       </p:sp>
@@ -365,38 +363,37 @@
           <a:p>
             <a:pPr lvl="0"/>
             <a:r>
-              <a:rPr lang="fr-FR" smtClean="0"/>
+              <a:rPr lang="fr-FR"/>
               <a:t>Modifiez les styles du texte du masque</a:t>
             </a:r>
           </a:p>
           <a:p>
             <a:pPr lvl="1"/>
             <a:r>
-              <a:rPr lang="fr-FR" smtClean="0"/>
+              <a:rPr lang="fr-FR"/>
               <a:t>Deuxième niveau</a:t>
             </a:r>
           </a:p>
           <a:p>
             <a:pPr lvl="2"/>
             <a:r>
-              <a:rPr lang="fr-FR" smtClean="0"/>
+              <a:rPr lang="fr-FR"/>
               <a:t>Troisième niveau</a:t>
             </a:r>
           </a:p>
           <a:p>
             <a:pPr lvl="3"/>
             <a:r>
-              <a:rPr lang="fr-FR" smtClean="0"/>
+              <a:rPr lang="fr-FR"/>
               <a:t>Quatrième niveau</a:t>
             </a:r>
           </a:p>
           <a:p>
             <a:pPr lvl="4"/>
             <a:r>
-              <a:rPr lang="fr-FR" smtClean="0"/>
+              <a:rPr lang="fr-FR"/>
               <a:t>Cinquième niveau</a:t>
             </a:r>
-            <a:endParaRPr lang="fr-FR"/>
           </a:p>
         </p:txBody>
       </p:sp>
@@ -417,7 +414,7 @@
           <a:p>
             <a:fld id="{27875E62-1D45-4935-A64B-EA891B8E2C1E}" type="datetimeFigureOut">
               <a:rPr lang="fr-FR" smtClean="0"/>
-              <a:t>20/10/2018</a:t>
+              <a:t>27/07/2019</a:t>
             </a:fld>
             <a:endParaRPr lang="fr-FR"/>
           </a:p>
@@ -516,10 +513,9 @@
           <a:lstStyle/>
           <a:p>
             <a:r>
-              <a:rPr lang="fr-FR" smtClean="0"/>
+              <a:rPr lang="fr-FR"/>
               <a:t>Modifiez le style du titre</a:t>
             </a:r>
-            <a:endParaRPr lang="fr-FR"/>
           </a:p>
         </p:txBody>
       </p:sp>
@@ -545,38 +541,37 @@
           <a:p>
             <a:pPr lvl="0"/>
             <a:r>
-              <a:rPr lang="fr-FR" smtClean="0"/>
+              <a:rPr lang="fr-FR"/>
               <a:t>Modifiez les styles du texte du masque</a:t>
             </a:r>
           </a:p>
           <a:p>
             <a:pPr lvl="1"/>
             <a:r>
-              <a:rPr lang="fr-FR" smtClean="0"/>
+              <a:rPr lang="fr-FR"/>
               <a:t>Deuxième niveau</a:t>
             </a:r>
           </a:p>
           <a:p>
             <a:pPr lvl="2"/>
             <a:r>
-              <a:rPr lang="fr-FR" smtClean="0"/>
+              <a:rPr lang="fr-FR"/>
               <a:t>Troisième niveau</a:t>
             </a:r>
           </a:p>
           <a:p>
             <a:pPr lvl="3"/>
             <a:r>
-              <a:rPr lang="fr-FR" smtClean="0"/>
+              <a:rPr lang="fr-FR"/>
               <a:t>Quatrième niveau</a:t>
             </a:r>
           </a:p>
           <a:p>
             <a:pPr lvl="4"/>
             <a:r>
-              <a:rPr lang="fr-FR" smtClean="0"/>
+              <a:rPr lang="fr-FR"/>
               <a:t>Cinquième niveau</a:t>
             </a:r>
-            <a:endParaRPr lang="fr-FR"/>
           </a:p>
         </p:txBody>
       </p:sp>
@@ -597,7 +592,7 @@
           <a:p>
             <a:fld id="{27875E62-1D45-4935-A64B-EA891B8E2C1E}" type="datetimeFigureOut">
               <a:rPr lang="fr-FR" smtClean="0"/>
-              <a:t>20/10/2018</a:t>
+              <a:t>27/07/2019</a:t>
             </a:fld>
             <a:endParaRPr lang="fr-FR"/>
           </a:p>
@@ -691,10 +686,9 @@
           <a:lstStyle/>
           <a:p>
             <a:r>
-              <a:rPr lang="fr-FR" smtClean="0"/>
+              <a:rPr lang="fr-FR"/>
               <a:t>Modifiez le style du titre</a:t>
             </a:r>
-            <a:endParaRPr lang="fr-FR"/>
           </a:p>
         </p:txBody>
       </p:sp>
@@ -715,38 +709,37 @@
           <a:p>
             <a:pPr lvl="0"/>
             <a:r>
-              <a:rPr lang="fr-FR" smtClean="0"/>
+              <a:rPr lang="fr-FR"/>
               <a:t>Modifiez les styles du texte du masque</a:t>
             </a:r>
           </a:p>
           <a:p>
             <a:pPr lvl="1"/>
             <a:r>
-              <a:rPr lang="fr-FR" smtClean="0"/>
+              <a:rPr lang="fr-FR"/>
               <a:t>Deuxième niveau</a:t>
             </a:r>
           </a:p>
           <a:p>
             <a:pPr lvl="2"/>
             <a:r>
-              <a:rPr lang="fr-FR" smtClean="0"/>
+              <a:rPr lang="fr-FR"/>
               <a:t>Troisième niveau</a:t>
             </a:r>
           </a:p>
           <a:p>
             <a:pPr lvl="3"/>
             <a:r>
-              <a:rPr lang="fr-FR" smtClean="0"/>
+              <a:rPr lang="fr-FR"/>
               <a:t>Quatrième niveau</a:t>
             </a:r>
           </a:p>
           <a:p>
             <a:pPr lvl="4"/>
             <a:r>
-              <a:rPr lang="fr-FR" smtClean="0"/>
+              <a:rPr lang="fr-FR"/>
               <a:t>Cinquième niveau</a:t>
             </a:r>
-            <a:endParaRPr lang="fr-FR"/>
           </a:p>
         </p:txBody>
       </p:sp>
@@ -767,7 +760,7 @@
           <a:p>
             <a:fld id="{27875E62-1D45-4935-A64B-EA891B8E2C1E}" type="datetimeFigureOut">
               <a:rPr lang="fr-FR" smtClean="0"/>
-              <a:t>20/10/2018</a:t>
+              <a:t>27/07/2019</a:t>
             </a:fld>
             <a:endParaRPr lang="fr-FR"/>
           </a:p>
@@ -870,10 +863,9 @@
           </a:lstStyle>
           <a:p>
             <a:r>
-              <a:rPr lang="fr-FR" smtClean="0"/>
+              <a:rPr lang="fr-FR"/>
               <a:t>Modifiez le style du titre</a:t>
             </a:r>
-            <a:endParaRPr lang="fr-FR"/>
           </a:p>
         </p:txBody>
       </p:sp>
@@ -990,7 +982,7 @@
           <a:p>
             <a:pPr lvl="0"/>
             <a:r>
-              <a:rPr lang="fr-FR" smtClean="0"/>
+              <a:rPr lang="fr-FR"/>
               <a:t>Modifiez les styles du texte du masque</a:t>
             </a:r>
           </a:p>
@@ -1013,7 +1005,7 @@
           <a:p>
             <a:fld id="{27875E62-1D45-4935-A64B-EA891B8E2C1E}" type="datetimeFigureOut">
               <a:rPr lang="fr-FR" smtClean="0"/>
-              <a:t>20/10/2018</a:t>
+              <a:t>27/07/2019</a:t>
             </a:fld>
             <a:endParaRPr lang="fr-FR"/>
           </a:p>
@@ -1107,10 +1099,9 @@
           <a:lstStyle/>
           <a:p>
             <a:r>
-              <a:rPr lang="fr-FR" smtClean="0"/>
+              <a:rPr lang="fr-FR"/>
               <a:t>Modifiez le style du titre</a:t>
             </a:r>
-            <a:endParaRPr lang="fr-FR"/>
           </a:p>
         </p:txBody>
       </p:sp>
@@ -1136,38 +1127,37 @@
           <a:p>
             <a:pPr lvl="0"/>
             <a:r>
-              <a:rPr lang="fr-FR" smtClean="0"/>
+              <a:rPr lang="fr-FR"/>
               <a:t>Modifiez les styles du texte du masque</a:t>
             </a:r>
           </a:p>
           <a:p>
             <a:pPr lvl="1"/>
             <a:r>
-              <a:rPr lang="fr-FR" smtClean="0"/>
+              <a:rPr lang="fr-FR"/>
               <a:t>Deuxième niveau</a:t>
             </a:r>
           </a:p>
           <a:p>
             <a:pPr lvl="2"/>
             <a:r>
-              <a:rPr lang="fr-FR" smtClean="0"/>
+              <a:rPr lang="fr-FR"/>
               <a:t>Troisième niveau</a:t>
             </a:r>
           </a:p>
           <a:p>
             <a:pPr lvl="3"/>
             <a:r>
-              <a:rPr lang="fr-FR" smtClean="0"/>
+              <a:rPr lang="fr-FR"/>
               <a:t>Quatrième niveau</a:t>
             </a:r>
           </a:p>
           <a:p>
             <a:pPr lvl="4"/>
             <a:r>
-              <a:rPr lang="fr-FR" smtClean="0"/>
+              <a:rPr lang="fr-FR"/>
               <a:t>Cinquième niveau</a:t>
             </a:r>
-            <a:endParaRPr lang="fr-FR"/>
           </a:p>
         </p:txBody>
       </p:sp>
@@ -1193,38 +1183,37 @@
           <a:p>
             <a:pPr lvl="0"/>
             <a:r>
-              <a:rPr lang="fr-FR" smtClean="0"/>
+              <a:rPr lang="fr-FR"/>
               <a:t>Modifiez les styles du texte du masque</a:t>
             </a:r>
           </a:p>
           <a:p>
             <a:pPr lvl="1"/>
             <a:r>
-              <a:rPr lang="fr-FR" smtClean="0"/>
+              <a:rPr lang="fr-FR"/>
               <a:t>Deuxième niveau</a:t>
             </a:r>
           </a:p>
           <a:p>
             <a:pPr lvl="2"/>
             <a:r>
-              <a:rPr lang="fr-FR" smtClean="0"/>
+              <a:rPr lang="fr-FR"/>
               <a:t>Troisième niveau</a:t>
             </a:r>
           </a:p>
           <a:p>
             <a:pPr lvl="3"/>
             <a:r>
-              <a:rPr lang="fr-FR" smtClean="0"/>
+              <a:rPr lang="fr-FR"/>
               <a:t>Quatrième niveau</a:t>
             </a:r>
           </a:p>
           <a:p>
             <a:pPr lvl="4"/>
             <a:r>
-              <a:rPr lang="fr-FR" smtClean="0"/>
+              <a:rPr lang="fr-FR"/>
               <a:t>Cinquième niveau</a:t>
             </a:r>
-            <a:endParaRPr lang="fr-FR"/>
           </a:p>
         </p:txBody>
       </p:sp>
@@ -1245,7 +1234,7 @@
           <a:p>
             <a:fld id="{27875E62-1D45-4935-A64B-EA891B8E2C1E}" type="datetimeFigureOut">
               <a:rPr lang="fr-FR" smtClean="0"/>
-              <a:t>20/10/2018</a:t>
+              <a:t>27/07/2019</a:t>
             </a:fld>
             <a:endParaRPr lang="fr-FR"/>
           </a:p>
@@ -1344,10 +1333,9 @@
           <a:lstStyle/>
           <a:p>
             <a:r>
-              <a:rPr lang="fr-FR" smtClean="0"/>
+              <a:rPr lang="fr-FR"/>
               <a:t>Modifiez le style du titre</a:t>
             </a:r>
-            <a:endParaRPr lang="fr-FR"/>
           </a:p>
         </p:txBody>
       </p:sp>
@@ -1410,7 +1398,7 @@
           <a:p>
             <a:pPr lvl="0"/>
             <a:r>
-              <a:rPr lang="fr-FR" smtClean="0"/>
+              <a:rPr lang="fr-FR"/>
               <a:t>Modifiez les styles du texte du masque</a:t>
             </a:r>
           </a:p>
@@ -1438,38 +1426,37 @@
           <a:p>
             <a:pPr lvl="0"/>
             <a:r>
-              <a:rPr lang="fr-FR" smtClean="0"/>
+              <a:rPr lang="fr-FR"/>
               <a:t>Modifiez les styles du texte du masque</a:t>
             </a:r>
           </a:p>
           <a:p>
             <a:pPr lvl="1"/>
             <a:r>
-              <a:rPr lang="fr-FR" smtClean="0"/>
+              <a:rPr lang="fr-FR"/>
               <a:t>Deuxième niveau</a:t>
             </a:r>
           </a:p>
           <a:p>
             <a:pPr lvl="2"/>
             <a:r>
-              <a:rPr lang="fr-FR" smtClean="0"/>
+              <a:rPr lang="fr-FR"/>
               <a:t>Troisième niveau</a:t>
             </a:r>
           </a:p>
           <a:p>
             <a:pPr lvl="3"/>
             <a:r>
-              <a:rPr lang="fr-FR" smtClean="0"/>
+              <a:rPr lang="fr-FR"/>
               <a:t>Quatrième niveau</a:t>
             </a:r>
           </a:p>
           <a:p>
             <a:pPr lvl="4"/>
             <a:r>
-              <a:rPr lang="fr-FR" smtClean="0"/>
+              <a:rPr lang="fr-FR"/>
               <a:t>Cinquième niveau</a:t>
             </a:r>
-            <a:endParaRPr lang="fr-FR"/>
           </a:p>
         </p:txBody>
       </p:sp>
@@ -1532,7 +1519,7 @@
           <a:p>
             <a:pPr lvl="0"/>
             <a:r>
-              <a:rPr lang="fr-FR" smtClean="0"/>
+              <a:rPr lang="fr-FR"/>
               <a:t>Modifiez les styles du texte du masque</a:t>
             </a:r>
           </a:p>
@@ -1560,38 +1547,37 @@
           <a:p>
             <a:pPr lvl="0"/>
             <a:r>
-              <a:rPr lang="fr-FR" smtClean="0"/>
+              <a:rPr lang="fr-FR"/>
               <a:t>Modifiez les styles du texte du masque</a:t>
             </a:r>
           </a:p>
           <a:p>
             <a:pPr lvl="1"/>
             <a:r>
-              <a:rPr lang="fr-FR" smtClean="0"/>
+              <a:rPr lang="fr-FR"/>
               <a:t>Deuxième niveau</a:t>
             </a:r>
           </a:p>
           <a:p>
             <a:pPr lvl="2"/>
             <a:r>
-              <a:rPr lang="fr-FR" smtClean="0"/>
+              <a:rPr lang="fr-FR"/>
               <a:t>Troisième niveau</a:t>
             </a:r>
           </a:p>
           <a:p>
             <a:pPr lvl="3"/>
             <a:r>
-              <a:rPr lang="fr-FR" smtClean="0"/>
+              <a:rPr lang="fr-FR"/>
               <a:t>Quatrième niveau</a:t>
             </a:r>
           </a:p>
           <a:p>
             <a:pPr lvl="4"/>
             <a:r>
-              <a:rPr lang="fr-FR" smtClean="0"/>
+              <a:rPr lang="fr-FR"/>
               <a:t>Cinquième niveau</a:t>
             </a:r>
-            <a:endParaRPr lang="fr-FR"/>
           </a:p>
         </p:txBody>
       </p:sp>
@@ -1612,7 +1598,7 @@
           <a:p>
             <a:fld id="{27875E62-1D45-4935-A64B-EA891B8E2C1E}" type="datetimeFigureOut">
               <a:rPr lang="fr-FR" smtClean="0"/>
-              <a:t>20/10/2018</a:t>
+              <a:t>27/07/2019</a:t>
             </a:fld>
             <a:endParaRPr lang="fr-FR"/>
           </a:p>
@@ -1706,10 +1692,9 @@
           <a:lstStyle/>
           <a:p>
             <a:r>
-              <a:rPr lang="fr-FR" smtClean="0"/>
+              <a:rPr lang="fr-FR"/>
               <a:t>Modifiez le style du titre</a:t>
             </a:r>
-            <a:endParaRPr lang="fr-FR"/>
           </a:p>
         </p:txBody>
       </p:sp>
@@ -1730,7 +1715,7 @@
           <a:p>
             <a:fld id="{27875E62-1D45-4935-A64B-EA891B8E2C1E}" type="datetimeFigureOut">
               <a:rPr lang="fr-FR" smtClean="0"/>
-              <a:t>20/10/2018</a:t>
+              <a:t>27/07/2019</a:t>
             </a:fld>
             <a:endParaRPr lang="fr-FR"/>
           </a:p>
@@ -1825,7 +1810,7 @@
           <a:p>
             <a:fld id="{27875E62-1D45-4935-A64B-EA891B8E2C1E}" type="datetimeFigureOut">
               <a:rPr lang="fr-FR" smtClean="0"/>
-              <a:t>20/10/2018</a:t>
+              <a:t>27/07/2019</a:t>
             </a:fld>
             <a:endParaRPr lang="fr-FR"/>
           </a:p>
@@ -1928,10 +1913,9 @@
           </a:lstStyle>
           <a:p>
             <a:r>
-              <a:rPr lang="fr-FR" smtClean="0"/>
+              <a:rPr lang="fr-FR"/>
               <a:t>Modifiez le style du titre</a:t>
             </a:r>
-            <a:endParaRPr lang="fr-FR"/>
           </a:p>
         </p:txBody>
       </p:sp>
@@ -1985,38 +1969,37 @@
           <a:p>
             <a:pPr lvl="0"/>
             <a:r>
-              <a:rPr lang="fr-FR" smtClean="0"/>
+              <a:rPr lang="fr-FR"/>
               <a:t>Modifiez les styles du texte du masque</a:t>
             </a:r>
           </a:p>
           <a:p>
             <a:pPr lvl="1"/>
             <a:r>
-              <a:rPr lang="fr-FR" smtClean="0"/>
+              <a:rPr lang="fr-FR"/>
               <a:t>Deuxième niveau</a:t>
             </a:r>
           </a:p>
           <a:p>
             <a:pPr lvl="2"/>
             <a:r>
-              <a:rPr lang="fr-FR" smtClean="0"/>
+              <a:rPr lang="fr-FR"/>
               <a:t>Troisième niveau</a:t>
             </a:r>
           </a:p>
           <a:p>
             <a:pPr lvl="3"/>
             <a:r>
-              <a:rPr lang="fr-FR" smtClean="0"/>
+              <a:rPr lang="fr-FR"/>
               <a:t>Quatrième niveau</a:t>
             </a:r>
           </a:p>
           <a:p>
             <a:pPr lvl="4"/>
             <a:r>
-              <a:rPr lang="fr-FR" smtClean="0"/>
+              <a:rPr lang="fr-FR"/>
               <a:t>Cinquième niveau</a:t>
             </a:r>
-            <a:endParaRPr lang="fr-FR"/>
           </a:p>
         </p:txBody>
       </p:sp>
@@ -2079,7 +2062,7 @@
           <a:p>
             <a:pPr lvl="0"/>
             <a:r>
-              <a:rPr lang="fr-FR" smtClean="0"/>
+              <a:rPr lang="fr-FR"/>
               <a:t>Modifiez les styles du texte du masque</a:t>
             </a:r>
           </a:p>
@@ -2102,7 +2085,7 @@
           <a:p>
             <a:fld id="{27875E62-1D45-4935-A64B-EA891B8E2C1E}" type="datetimeFigureOut">
               <a:rPr lang="fr-FR" smtClean="0"/>
-              <a:t>20/10/2018</a:t>
+              <a:t>27/07/2019</a:t>
             </a:fld>
             <a:endParaRPr lang="fr-FR"/>
           </a:p>
@@ -2205,10 +2188,9 @@
           </a:lstStyle>
           <a:p>
             <a:r>
-              <a:rPr lang="fr-FR" smtClean="0"/>
+              <a:rPr lang="fr-FR"/>
               <a:t>Modifiez le style du titre</a:t>
             </a:r>
-            <a:endParaRPr lang="fr-FR"/>
           </a:p>
         </p:txBody>
       </p:sp>
@@ -2332,7 +2314,7 @@
           <a:p>
             <a:pPr lvl="0"/>
             <a:r>
-              <a:rPr lang="fr-FR" smtClean="0"/>
+              <a:rPr lang="fr-FR"/>
               <a:t>Modifiez les styles du texte du masque</a:t>
             </a:r>
           </a:p>
@@ -2355,7 +2337,7 @@
           <a:p>
             <a:fld id="{27875E62-1D45-4935-A64B-EA891B8E2C1E}" type="datetimeFigureOut">
               <a:rPr lang="fr-FR" smtClean="0"/>
-              <a:t>20/10/2018</a:t>
+              <a:t>27/07/2019</a:t>
             </a:fld>
             <a:endParaRPr lang="fr-FR"/>
           </a:p>
@@ -2464,10 +2446,9 @@
           <a:lstStyle/>
           <a:p>
             <a:r>
-              <a:rPr lang="fr-FR" smtClean="0"/>
+              <a:rPr lang="fr-FR"/>
               <a:t>Modifiez le style du titre</a:t>
             </a:r>
-            <a:endParaRPr lang="fr-FR"/>
           </a:p>
         </p:txBody>
       </p:sp>
@@ -2498,38 +2479,37 @@
           <a:p>
             <a:pPr lvl="0"/>
             <a:r>
-              <a:rPr lang="fr-FR" smtClean="0"/>
+              <a:rPr lang="fr-FR"/>
               <a:t>Modifiez les styles du texte du masque</a:t>
             </a:r>
           </a:p>
           <a:p>
             <a:pPr lvl="1"/>
             <a:r>
-              <a:rPr lang="fr-FR" smtClean="0"/>
+              <a:rPr lang="fr-FR"/>
               <a:t>Deuxième niveau</a:t>
             </a:r>
           </a:p>
           <a:p>
             <a:pPr lvl="2"/>
             <a:r>
-              <a:rPr lang="fr-FR" smtClean="0"/>
+              <a:rPr lang="fr-FR"/>
               <a:t>Troisième niveau</a:t>
             </a:r>
           </a:p>
           <a:p>
             <a:pPr lvl="3"/>
             <a:r>
-              <a:rPr lang="fr-FR" smtClean="0"/>
+              <a:rPr lang="fr-FR"/>
               <a:t>Quatrième niveau</a:t>
             </a:r>
           </a:p>
           <a:p>
             <a:pPr lvl="4"/>
             <a:r>
-              <a:rPr lang="fr-FR" smtClean="0"/>
+              <a:rPr lang="fr-FR"/>
               <a:t>Cinquième niveau</a:t>
             </a:r>
-            <a:endParaRPr lang="fr-FR"/>
           </a:p>
         </p:txBody>
       </p:sp>
@@ -2568,7 +2548,7 @@
           <a:p>
             <a:fld id="{27875E62-1D45-4935-A64B-EA891B8E2C1E}" type="datetimeFigureOut">
               <a:rPr lang="fr-FR" smtClean="0"/>
-              <a:t>20/10/2018</a:t>
+              <a:t>27/07/2019</a:t>
             </a:fld>
             <a:endParaRPr lang="fr-FR"/>
           </a:p>
@@ -3046,7 +3026,7 @@
           <a:p>
             <a:pPr algn="ctr"/>
             <a:r>
-              <a:rPr lang="fr-FR" sz="5400" b="1" cap="none" spc="0" dirty="0" smtClean="0">
+              <a:rPr lang="fr-FR" sz="5400" b="1" cap="none" spc="0" dirty="0">
                 <a:ln/>
                 <a:solidFill>
                   <a:schemeClr val="accent4"/>
@@ -3055,13 +3035,6 @@
               </a:rPr>
               <a:t>Samy 20 ans</a:t>
             </a:r>
-            <a:endParaRPr lang="fr-FR" sz="5400" b="1" cap="none" spc="0" dirty="0">
-              <a:ln/>
-              <a:solidFill>
-                <a:schemeClr val="accent4"/>
-              </a:solidFill>
-              <a:effectLst/>
-            </a:endParaRPr>
           </a:p>
         </p:txBody>
       </p:sp>
@@ -3092,7 +3065,7 @@
           <a:p>
             <a:pPr algn="ctr"/>
             <a:r>
-              <a:rPr lang="fr-FR" sz="5400" dirty="0" smtClean="0">
+              <a:rPr lang="fr-FR" sz="5400" dirty="0">
                 <a:ln w="0"/>
                 <a:solidFill>
                   <a:schemeClr val="accent1"/>
@@ -3107,19 +3080,6 @@
               </a:rPr>
               <a:t>Virginie 30 ans</a:t>
             </a:r>
-            <a:endParaRPr lang="fr-FR" sz="5400" dirty="0">
-              <a:ln w="0"/>
-              <a:solidFill>
-                <a:schemeClr val="accent1"/>
-              </a:solidFill>
-              <a:effectLst>
-                <a:outerShdw blurRad="38100" dist="25400" dir="5400000" algn="ctr" rotWithShape="0">
-                  <a:srgbClr val="6E747A">
-                    <a:alpha val="43000"/>
-                  </a:srgbClr>
-                </a:outerShdw>
-              </a:effectLst>
-            </a:endParaRPr>
           </a:p>
         </p:txBody>
       </p:sp>
@@ -3133,13 +3093,6 @@
   <p:clrMapOvr>
     <a:masterClrMapping/>
   </p:clrMapOvr>
-  <p:timing>
-    <p:tnLst>
-      <p:par>
-        <p:cTn id="1" dur="indefinite" restart="never" nodeType="tmRoot"/>
-      </p:par>
-    </p:tnLst>
-  </p:timing>
 </p:sld>
 </file>
 
@@ -3193,7 +3146,7 @@
           <a:p>
             <a:pPr algn="ctr"/>
             <a:r>
-              <a:rPr lang="fr-FR" sz="5400" b="1" cap="none" spc="0" dirty="0" smtClean="0">
+              <a:rPr lang="fr-FR" sz="5400" b="1" cap="none" spc="0" dirty="0">
                 <a:ln/>
                 <a:solidFill>
                   <a:schemeClr val="accent1">
@@ -3216,7 +3169,7 @@
               <a:t>3</a:t>
             </a:r>
             <a:r>
-              <a:rPr lang="fr-FR" sz="5400" b="1" cap="none" spc="0" dirty="0" smtClean="0">
+              <a:rPr lang="fr-FR" sz="5400" b="1" cap="none" spc="0" dirty="0">
                 <a:ln/>
                 <a:solidFill>
                   <a:schemeClr val="accent1">
@@ -3227,15 +3180,6 @@
               </a:rPr>
               <a:t>0 ans</a:t>
             </a:r>
-            <a:endParaRPr lang="fr-FR" sz="5400" b="1" cap="none" spc="0" dirty="0">
-              <a:ln/>
-              <a:solidFill>
-                <a:schemeClr val="accent1">
-                  <a:lumMod val="75000"/>
-                </a:schemeClr>
-              </a:solidFill>
-              <a:effectLst/>
-            </a:endParaRPr>
           </a:p>
         </p:txBody>
       </p:sp>
@@ -3352,7 +3296,7 @@
           <a:p>
             <a:pPr algn="ctr"/>
             <a:r>
-              <a:rPr lang="fr-FR" sz="5400" b="1" cap="none" spc="0" dirty="0" smtClean="0">
+              <a:rPr lang="fr-FR" sz="5400" b="1" cap="none" spc="0" dirty="0">
                 <a:ln/>
                 <a:solidFill>
                   <a:schemeClr val="accent4"/>
@@ -3361,13 +3305,6 @@
               </a:rPr>
               <a:t>Samy 20 ans</a:t>
             </a:r>
-            <a:endParaRPr lang="fr-FR" sz="5400" b="1" cap="none" spc="0" dirty="0">
-              <a:ln/>
-              <a:solidFill>
-                <a:schemeClr val="accent4"/>
-              </a:solidFill>
-              <a:effectLst/>
-            </a:endParaRPr>
           </a:p>
         </p:txBody>
       </p:sp>
@@ -3394,11 +3331,11 @@
           <a:lstStyle/>
           <a:p>
             <a:r>
-              <a:rPr lang="fr-FR" sz="4400" dirty="0" smtClean="0"/>
+              <a:rPr lang="fr-FR" sz="4400" dirty="0"/>
               <a:t>Sam</a:t>
             </a:r>
             <a:r>
-              <a:rPr lang="fr-FR" sz="4400" dirty="0" smtClean="0">
+              <a:rPr lang="fr-FR" sz="4400" dirty="0">
                 <a:solidFill>
                   <a:srgbClr val="FF0000"/>
                 </a:solidFill>
@@ -3406,7 +3343,7 @@
               <a:t>e</a:t>
             </a:r>
             <a:r>
-              <a:rPr lang="fr-FR" sz="4400" dirty="0" smtClean="0"/>
+              <a:rPr lang="fr-FR" sz="4400" dirty="0"/>
               <a:t>di</a:t>
             </a:r>
           </a:p>
@@ -3436,7 +3373,7 @@
           <a:p>
             <a:pPr algn="ctr"/>
             <a:r>
-              <a:rPr lang="fr-FR" sz="4400" dirty="0" smtClean="0">
+              <a:rPr lang="fr-FR" sz="4400" dirty="0">
                 <a:solidFill>
                   <a:srgbClr val="00B0F0"/>
                 </a:solidFill>
@@ -3444,7 +3381,7 @@
               <a:t>2</a:t>
             </a:r>
             <a:r>
-              <a:rPr lang="fr-FR" sz="4400" dirty="0" smtClean="0"/>
+              <a:rPr lang="fr-FR" sz="4400" dirty="0"/>
               <a:t>5</a:t>
             </a:r>
           </a:p>
@@ -3474,11 +3411,11 @@
           <a:p>
             <a:pPr algn="ctr"/>
             <a:r>
-              <a:rPr lang="fr-FR" sz="4400" dirty="0" smtClean="0"/>
+              <a:rPr lang="fr-FR" sz="4400" dirty="0"/>
               <a:t>Ao</a:t>
             </a:r>
             <a:r>
-              <a:rPr lang="fr-FR" sz="4400" dirty="0" smtClean="0">
+              <a:rPr lang="fr-FR" sz="4400" dirty="0">
                 <a:solidFill>
                   <a:srgbClr val="00B050"/>
                 </a:solidFill>
@@ -3486,7 +3423,7 @@
               <a:t>û</a:t>
             </a:r>
             <a:r>
-              <a:rPr lang="fr-FR" sz="4400" dirty="0" smtClean="0"/>
+              <a:rPr lang="fr-FR" sz="4400" dirty="0"/>
               <a:t>t</a:t>
             </a:r>
           </a:p>
@@ -3502,13 +3439,6 @@
   <p:clrMapOvr>
     <a:masterClrMapping/>
   </p:clrMapOvr>
-  <p:timing>
-    <p:tnLst>
-      <p:par>
-        <p:cTn id="1" dur="indefinite" restart="never" nodeType="tmRoot"/>
-      </p:par>
-    </p:tnLst>
-  </p:timing>
 </p:sld>
 </file>
 
@@ -3552,7 +3482,7 @@
           <a:lstStyle/>
           <a:p>
             <a:r>
-              <a:rPr lang="fr-FR" sz="4400" dirty="0" smtClean="0"/>
+              <a:rPr lang="fr-FR" sz="4400" dirty="0"/>
               <a:t>Samedi</a:t>
             </a:r>
           </a:p>
@@ -3582,7 +3512,7 @@
           <a:p>
             <a:pPr algn="ctr"/>
             <a:r>
-              <a:rPr lang="fr-FR" sz="4400" dirty="0" smtClean="0"/>
+              <a:rPr lang="fr-FR" sz="4400" dirty="0"/>
               <a:t>27</a:t>
             </a:r>
           </a:p>
@@ -3612,7 +3542,7 @@
           <a:p>
             <a:pPr algn="ctr"/>
             <a:r>
-              <a:rPr lang="fr-FR" sz="4400" dirty="0" smtClean="0"/>
+              <a:rPr lang="fr-FR" sz="4400" dirty="0"/>
               <a:t>Octobre</a:t>
             </a:r>
           </a:p>
@@ -3692,13 +3622,6 @@
   <p:clrMapOvr>
     <a:masterClrMapping/>
   </p:clrMapOvr>
-  <p:timing>
-    <p:tnLst>
-      <p:par>
-        <p:cTn id="1" dur="indefinite" restart="never" nodeType="tmRoot"/>
-      </p:par>
-    </p:tnLst>
-  </p:timing>
 </p:sld>
 </file>
 
@@ -3847,7 +3770,7 @@
           <a:p>
             <a:pPr algn="ctr"/>
             <a:r>
-              <a:rPr lang="fr-FR" sz="4400" dirty="0" smtClean="0">
+              <a:rPr lang="fr-FR" sz="4400" dirty="0">
                 <a:solidFill>
                   <a:srgbClr val="3BFF21"/>
                 </a:solidFill>
@@ -3971,13 +3894,6 @@
   <p:clrMapOvr>
     <a:masterClrMapping/>
   </p:clrMapOvr>
-  <p:timing>
-    <p:tnLst>
-      <p:par>
-        <p:cTn id="1" dur="indefinite" restart="never" nodeType="tmRoot"/>
-      </p:par>
-    </p:tnLst>
-  </p:timing>
 </p:sld>
 </file>
 
@@ -4062,7 +3978,7 @@
           <a:p>
             <a:pPr algn="ctr"/>
             <a:r>
-              <a:rPr lang="fr-FR" sz="4400" b="1" dirty="0" smtClean="0">
+              <a:rPr lang="fr-FR" sz="4400" b="1" dirty="0">
                 <a:solidFill>
                   <a:srgbClr val="3BFF21"/>
                 </a:solidFill>
@@ -4186,13 +4102,235 @@
   <p:clrMapOvr>
     <a:masterClrMapping/>
   </p:clrMapOvr>
-  <p:timing>
-    <p:tnLst>
-      <p:par>
-        <p:cTn id="1" dur="indefinite" restart="never" nodeType="tmRoot"/>
-      </p:par>
-    </p:tnLst>
-  </p:timing>
+</p:sld>
+</file>
+
+<file path=ppt/slides/slide6.xml><?xml version="1.0" encoding="utf-8"?>
+<p:sld xmlns:a="http://schemas.openxmlformats.org/drawingml/2006/main" xmlns:r="http://schemas.openxmlformats.org/officeDocument/2006/relationships" xmlns:p="http://schemas.openxmlformats.org/presentationml/2006/main">
+  <p:cSld>
+    <p:spTree>
+      <p:nvGrpSpPr>
+        <p:cNvPr id="1" name=""/>
+        <p:cNvGrpSpPr/>
+        <p:nvPr/>
+      </p:nvGrpSpPr>
+      <p:grpSpPr>
+        <a:xfrm>
+          <a:off x="0" y="0"/>
+          <a:ext cx="0" cy="0"/>
+          <a:chOff x="0" y="0"/>
+          <a:chExt cx="0" cy="0"/>
+        </a:xfrm>
+      </p:grpSpPr>
+      <p:sp>
+        <p:nvSpPr>
+          <p:cNvPr id="7" name="Rectangle 6"/>
+          <p:cNvSpPr/>
+          <p:nvPr/>
+        </p:nvSpPr>
+        <p:spPr>
+          <a:xfrm>
+            <a:off x="3256331" y="1607629"/>
+            <a:ext cx="5796780" cy="1107996"/>
+          </a:xfrm>
+          <a:prstGeom prst="rect">
+            <a:avLst/>
+          </a:prstGeom>
+          <a:noFill/>
+        </p:spPr>
+        <p:txBody>
+          <a:bodyPr wrap="none" lIns="91440" tIns="45720" rIns="91440" bIns="45720">
+            <a:spAutoFit/>
+            <a:scene3d>
+              <a:camera prst="orthographicFront"/>
+              <a:lightRig rig="soft" dir="t">
+                <a:rot lat="0" lon="0" rev="15600000"/>
+              </a:lightRig>
+            </a:scene3d>
+            <a:sp3d extrusionH="57150" prstMaterial="softEdge">
+              <a:bevelT w="25400" h="38100"/>
+            </a:sp3d>
+          </a:bodyPr>
+          <a:lstStyle/>
+          <a:p>
+            <a:pPr algn="ctr"/>
+            <a:r>
+              <a:rPr lang="fr-FR" sz="6600" b="1" cap="none" spc="0" dirty="0">
+                <a:ln/>
+                <a:effectLst/>
+              </a:rPr>
+              <a:t>Isabelle &amp; Gilles</a:t>
+            </a:r>
+          </a:p>
+        </p:txBody>
+      </p:sp>
+      <p:sp>
+        <p:nvSpPr>
+          <p:cNvPr id="2" name="ZoneTexte 1"/>
+          <p:cNvSpPr txBox="1"/>
+          <p:nvPr/>
+        </p:nvSpPr>
+        <p:spPr>
+          <a:xfrm>
+            <a:off x="4212669" y="2566417"/>
+            <a:ext cx="3884103" cy="769441"/>
+          </a:xfrm>
+          <a:prstGeom prst="rect">
+            <a:avLst/>
+          </a:prstGeom>
+          <a:noFill/>
+        </p:spPr>
+        <p:txBody>
+          <a:bodyPr wrap="square" rtlCol="0">
+            <a:spAutoFit/>
+          </a:bodyPr>
+          <a:lstStyle/>
+          <a:p>
+            <a:r>
+              <a:rPr lang="fr-FR" sz="4400" dirty="0"/>
+              <a:t>Samedi 27 Août</a:t>
+            </a:r>
+          </a:p>
+        </p:txBody>
+      </p:sp>
+      <p:pic>
+        <p:nvPicPr>
+          <p:cNvPr id="3" name="Picture 2" descr="Image result for mariage logo">
+            <a:extLst>
+              <a:ext uri="{FF2B5EF4-FFF2-40B4-BE49-F238E27FC236}">
+                <a16:creationId xmlns:a16="http://schemas.microsoft.com/office/drawing/2014/main" id="{4A20466E-0D5A-428A-BEF9-2E3A965C81A9}"/>
+              </a:ext>
+            </a:extLst>
+          </p:cNvPr>
+          <p:cNvPicPr>
+            <a:picLocks noChangeAspect="1" noChangeArrowheads="1"/>
+          </p:cNvPicPr>
+          <p:nvPr/>
+        </p:nvPicPr>
+        <p:blipFill>
+          <a:blip r:embed="rId2">
+            <a:extLst>
+              <a:ext uri="{28A0092B-C50C-407E-A947-70E740481C1C}">
+                <a14:useLocalDpi xmlns:a14="http://schemas.microsoft.com/office/drawing/2010/main" val="0"/>
+              </a:ext>
+            </a:extLst>
+          </a:blip>
+          <a:srcRect/>
+          <a:stretch>
+            <a:fillRect/>
+          </a:stretch>
+        </p:blipFill>
+        <p:spPr bwMode="auto">
+          <a:xfrm>
+            <a:off x="396971" y="1325843"/>
+            <a:ext cx="2401126" cy="3588496"/>
+          </a:xfrm>
+          <a:prstGeom prst="rect">
+            <a:avLst/>
+          </a:prstGeom>
+          <a:noFill/>
+          <a:extLst>
+            <a:ext uri="{909E8E84-426E-40DD-AFC4-6F175D3DCCD1}">
+              <a14:hiddenFill xmlns:a14="http://schemas.microsoft.com/office/drawing/2010/main">
+                <a:solidFill>
+                  <a:srgbClr val="FFFFFF"/>
+                </a:solidFill>
+              </a14:hiddenFill>
+            </a:ext>
+          </a:extLst>
+        </p:spPr>
+      </p:pic>
+      <p:pic>
+        <p:nvPicPr>
+          <p:cNvPr id="4" name="Picture 4" descr="Image result for alliance de mariage logo">
+            <a:extLst>
+              <a:ext uri="{FF2B5EF4-FFF2-40B4-BE49-F238E27FC236}">
+                <a16:creationId xmlns:a16="http://schemas.microsoft.com/office/drawing/2014/main" id="{8CAFF7D5-AFA4-4DDB-9306-88052A83FD7A}"/>
+              </a:ext>
+            </a:extLst>
+          </p:cNvPr>
+          <p:cNvPicPr>
+            <a:picLocks noChangeAspect="1" noChangeArrowheads="1"/>
+          </p:cNvPicPr>
+          <p:nvPr/>
+        </p:nvPicPr>
+        <p:blipFill rotWithShape="1">
+          <a:blip r:embed="rId3">
+            <a:extLst>
+              <a:ext uri="{28A0092B-C50C-407E-A947-70E740481C1C}">
+                <a14:useLocalDpi xmlns:a14="http://schemas.microsoft.com/office/drawing/2010/main" val="0"/>
+              </a:ext>
+            </a:extLst>
+          </a:blip>
+          <a:srcRect l="18174" t="26746" r="13716" b="28238"/>
+          <a:stretch/>
+        </p:blipFill>
+        <p:spPr bwMode="auto">
+          <a:xfrm>
+            <a:off x="4990324" y="4477066"/>
+            <a:ext cx="2105637" cy="1391657"/>
+          </a:xfrm>
+          <a:prstGeom prst="rect">
+            <a:avLst/>
+          </a:prstGeom>
+          <a:noFill/>
+          <a:extLst>
+            <a:ext uri="{909E8E84-426E-40DD-AFC4-6F175D3DCCD1}">
+              <a14:hiddenFill xmlns:a14="http://schemas.microsoft.com/office/drawing/2010/main">
+                <a:solidFill>
+                  <a:srgbClr val="FFFFFF"/>
+                </a:solidFill>
+              </a14:hiddenFill>
+            </a:ext>
+          </a:extLst>
+        </p:spPr>
+      </p:pic>
+      <p:pic>
+        <p:nvPicPr>
+          <p:cNvPr id="8" name="Image 7">
+            <a:extLst>
+              <a:ext uri="{FF2B5EF4-FFF2-40B4-BE49-F238E27FC236}">
+                <a16:creationId xmlns:a16="http://schemas.microsoft.com/office/drawing/2014/main" id="{E4DFCDF6-07A9-4FE5-944E-C537AEC4C912}"/>
+              </a:ext>
+            </a:extLst>
+          </p:cNvPr>
+          <p:cNvPicPr>
+            <a:picLocks noChangeAspect="1"/>
+          </p:cNvPicPr>
+          <p:nvPr/>
+        </p:nvPicPr>
+        <p:blipFill>
+          <a:blip r:embed="rId4">
+            <a:extLst>
+              <a:ext uri="{28A0092B-C50C-407E-A947-70E740481C1C}">
+                <a14:useLocalDpi xmlns:a14="http://schemas.microsoft.com/office/drawing/2010/main" val="0"/>
+              </a:ext>
+            </a:extLst>
+          </a:blip>
+          <a:stretch>
+            <a:fillRect/>
+          </a:stretch>
+        </p:blipFill>
+        <p:spPr>
+          <a:xfrm>
+            <a:off x="9511344" y="1650869"/>
+            <a:ext cx="2303259" cy="2595820"/>
+          </a:xfrm>
+          <a:prstGeom prst="rect">
+            <a:avLst/>
+          </a:prstGeom>
+        </p:spPr>
+      </p:pic>
+    </p:spTree>
+    <p:extLst>
+      <p:ext uri="{BB962C8B-B14F-4D97-AF65-F5344CB8AC3E}">
+        <p14:creationId xmlns:p14="http://schemas.microsoft.com/office/powerpoint/2010/main" val="2689887426"/>
+      </p:ext>
+    </p:extLst>
+  </p:cSld>
+  <p:clrMapOvr>
+    <a:masterClrMapping/>
+  </p:clrMapOvr>
 </p:sld>
 </file>
 

--- a/Visionneuse/images/Header.pptx
+++ b/Visionneuse/images/Header.pptx
@@ -11,6 +11,7 @@
     <p:sldId id="259" r:id="rId5"/>
     <p:sldId id="260" r:id="rId6"/>
     <p:sldId id="261" r:id="rId7"/>
+    <p:sldId id="262" r:id="rId8"/>
   </p:sldIdLst>
   <p:sldSz cx="12192000" cy="6858000"/>
   <p:notesSz cx="6858000" cy="9144000"/>
@@ -246,7 +247,7 @@
           <a:p>
             <a:fld id="{27875E62-1D45-4935-A64B-EA891B8E2C1E}" type="datetimeFigureOut">
               <a:rPr lang="fr-FR" smtClean="0"/>
-              <a:t>27/07/2019</a:t>
+              <a:t>19/10/2019</a:t>
             </a:fld>
             <a:endParaRPr lang="fr-FR"/>
           </a:p>
@@ -288,7 +289,7 @@
           <a:p>
             <a:fld id="{EEB32DB8-07DD-48BC-A711-B55682B5D8F5}" type="slidenum">
               <a:rPr lang="fr-FR" smtClean="0"/>
-              <a:t>‹N°›</a:t>
+              <a:t>‹#›</a:t>
             </a:fld>
             <a:endParaRPr lang="fr-FR"/>
           </a:p>
@@ -414,7 +415,7 @@
           <a:p>
             <a:fld id="{27875E62-1D45-4935-A64B-EA891B8E2C1E}" type="datetimeFigureOut">
               <a:rPr lang="fr-FR" smtClean="0"/>
-              <a:t>27/07/2019</a:t>
+              <a:t>19/10/2019</a:t>
             </a:fld>
             <a:endParaRPr lang="fr-FR"/>
           </a:p>
@@ -456,7 +457,7 @@
           <a:p>
             <a:fld id="{EEB32DB8-07DD-48BC-A711-B55682B5D8F5}" type="slidenum">
               <a:rPr lang="fr-FR" smtClean="0"/>
-              <a:t>‹N°›</a:t>
+              <a:t>‹#›</a:t>
             </a:fld>
             <a:endParaRPr lang="fr-FR"/>
           </a:p>
@@ -592,7 +593,7 @@
           <a:p>
             <a:fld id="{27875E62-1D45-4935-A64B-EA891B8E2C1E}" type="datetimeFigureOut">
               <a:rPr lang="fr-FR" smtClean="0"/>
-              <a:t>27/07/2019</a:t>
+              <a:t>19/10/2019</a:t>
             </a:fld>
             <a:endParaRPr lang="fr-FR"/>
           </a:p>
@@ -634,7 +635,7 @@
           <a:p>
             <a:fld id="{EEB32DB8-07DD-48BC-A711-B55682B5D8F5}" type="slidenum">
               <a:rPr lang="fr-FR" smtClean="0"/>
-              <a:t>‹N°›</a:t>
+              <a:t>‹#›</a:t>
             </a:fld>
             <a:endParaRPr lang="fr-FR"/>
           </a:p>
@@ -760,7 +761,7 @@
           <a:p>
             <a:fld id="{27875E62-1D45-4935-A64B-EA891B8E2C1E}" type="datetimeFigureOut">
               <a:rPr lang="fr-FR" smtClean="0"/>
-              <a:t>27/07/2019</a:t>
+              <a:t>19/10/2019</a:t>
             </a:fld>
             <a:endParaRPr lang="fr-FR"/>
           </a:p>
@@ -802,7 +803,7 @@
           <a:p>
             <a:fld id="{EEB32DB8-07DD-48BC-A711-B55682B5D8F5}" type="slidenum">
               <a:rPr lang="fr-FR" smtClean="0"/>
-              <a:t>‹N°›</a:t>
+              <a:t>‹#›</a:t>
             </a:fld>
             <a:endParaRPr lang="fr-FR"/>
           </a:p>
@@ -1005,7 +1006,7 @@
           <a:p>
             <a:fld id="{27875E62-1D45-4935-A64B-EA891B8E2C1E}" type="datetimeFigureOut">
               <a:rPr lang="fr-FR" smtClean="0"/>
-              <a:t>27/07/2019</a:t>
+              <a:t>19/10/2019</a:t>
             </a:fld>
             <a:endParaRPr lang="fr-FR"/>
           </a:p>
@@ -1047,7 +1048,7 @@
           <a:p>
             <a:fld id="{EEB32DB8-07DD-48BC-A711-B55682B5D8F5}" type="slidenum">
               <a:rPr lang="fr-FR" smtClean="0"/>
-              <a:t>‹N°›</a:t>
+              <a:t>‹#›</a:t>
             </a:fld>
             <a:endParaRPr lang="fr-FR"/>
           </a:p>
@@ -1234,7 +1235,7 @@
           <a:p>
             <a:fld id="{27875E62-1D45-4935-A64B-EA891B8E2C1E}" type="datetimeFigureOut">
               <a:rPr lang="fr-FR" smtClean="0"/>
-              <a:t>27/07/2019</a:t>
+              <a:t>19/10/2019</a:t>
             </a:fld>
             <a:endParaRPr lang="fr-FR"/>
           </a:p>
@@ -1276,7 +1277,7 @@
           <a:p>
             <a:fld id="{EEB32DB8-07DD-48BC-A711-B55682B5D8F5}" type="slidenum">
               <a:rPr lang="fr-FR" smtClean="0"/>
-              <a:t>‹N°›</a:t>
+              <a:t>‹#›</a:t>
             </a:fld>
             <a:endParaRPr lang="fr-FR"/>
           </a:p>
@@ -1598,7 +1599,7 @@
           <a:p>
             <a:fld id="{27875E62-1D45-4935-A64B-EA891B8E2C1E}" type="datetimeFigureOut">
               <a:rPr lang="fr-FR" smtClean="0"/>
-              <a:t>27/07/2019</a:t>
+              <a:t>19/10/2019</a:t>
             </a:fld>
             <a:endParaRPr lang="fr-FR"/>
           </a:p>
@@ -1640,7 +1641,7 @@
           <a:p>
             <a:fld id="{EEB32DB8-07DD-48BC-A711-B55682B5D8F5}" type="slidenum">
               <a:rPr lang="fr-FR" smtClean="0"/>
-              <a:t>‹N°›</a:t>
+              <a:t>‹#›</a:t>
             </a:fld>
             <a:endParaRPr lang="fr-FR"/>
           </a:p>
@@ -1715,7 +1716,7 @@
           <a:p>
             <a:fld id="{27875E62-1D45-4935-A64B-EA891B8E2C1E}" type="datetimeFigureOut">
               <a:rPr lang="fr-FR" smtClean="0"/>
-              <a:t>27/07/2019</a:t>
+              <a:t>19/10/2019</a:t>
             </a:fld>
             <a:endParaRPr lang="fr-FR"/>
           </a:p>
@@ -1757,7 +1758,7 @@
           <a:p>
             <a:fld id="{EEB32DB8-07DD-48BC-A711-B55682B5D8F5}" type="slidenum">
               <a:rPr lang="fr-FR" smtClean="0"/>
-              <a:t>‹N°›</a:t>
+              <a:t>‹#›</a:t>
             </a:fld>
             <a:endParaRPr lang="fr-FR"/>
           </a:p>
@@ -1810,7 +1811,7 @@
           <a:p>
             <a:fld id="{27875E62-1D45-4935-A64B-EA891B8E2C1E}" type="datetimeFigureOut">
               <a:rPr lang="fr-FR" smtClean="0"/>
-              <a:t>27/07/2019</a:t>
+              <a:t>19/10/2019</a:t>
             </a:fld>
             <a:endParaRPr lang="fr-FR"/>
           </a:p>
@@ -1852,7 +1853,7 @@
           <a:p>
             <a:fld id="{EEB32DB8-07DD-48BC-A711-B55682B5D8F5}" type="slidenum">
               <a:rPr lang="fr-FR" smtClean="0"/>
-              <a:t>‹N°›</a:t>
+              <a:t>‹#›</a:t>
             </a:fld>
             <a:endParaRPr lang="fr-FR"/>
           </a:p>
@@ -2085,7 +2086,7 @@
           <a:p>
             <a:fld id="{27875E62-1D45-4935-A64B-EA891B8E2C1E}" type="datetimeFigureOut">
               <a:rPr lang="fr-FR" smtClean="0"/>
-              <a:t>27/07/2019</a:t>
+              <a:t>19/10/2019</a:t>
             </a:fld>
             <a:endParaRPr lang="fr-FR"/>
           </a:p>
@@ -2127,7 +2128,7 @@
           <a:p>
             <a:fld id="{EEB32DB8-07DD-48BC-A711-B55682B5D8F5}" type="slidenum">
               <a:rPr lang="fr-FR" smtClean="0"/>
-              <a:t>‹N°›</a:t>
+              <a:t>‹#›</a:t>
             </a:fld>
             <a:endParaRPr lang="fr-FR"/>
           </a:p>
@@ -2337,7 +2338,7 @@
           <a:p>
             <a:fld id="{27875E62-1D45-4935-A64B-EA891B8E2C1E}" type="datetimeFigureOut">
               <a:rPr lang="fr-FR" smtClean="0"/>
-              <a:t>27/07/2019</a:t>
+              <a:t>19/10/2019</a:t>
             </a:fld>
             <a:endParaRPr lang="fr-FR"/>
           </a:p>
@@ -2379,7 +2380,7 @@
           <a:p>
             <a:fld id="{EEB32DB8-07DD-48BC-A711-B55682B5D8F5}" type="slidenum">
               <a:rPr lang="fr-FR" smtClean="0"/>
-              <a:t>‹N°›</a:t>
+              <a:t>‹#›</a:t>
             </a:fld>
             <a:endParaRPr lang="fr-FR"/>
           </a:p>
@@ -2548,7 +2549,7 @@
           <a:p>
             <a:fld id="{27875E62-1D45-4935-A64B-EA891B8E2C1E}" type="datetimeFigureOut">
               <a:rPr lang="fr-FR" smtClean="0"/>
-              <a:t>27/07/2019</a:t>
+              <a:t>19/10/2019</a:t>
             </a:fld>
             <a:endParaRPr lang="fr-FR"/>
           </a:p>
@@ -2626,7 +2627,7 @@
           <a:p>
             <a:fld id="{EEB32DB8-07DD-48BC-A711-B55682B5D8F5}" type="slidenum">
               <a:rPr lang="fr-FR" smtClean="0"/>
-              <a:t>‹N°›</a:t>
+              <a:t>‹#›</a:t>
             </a:fld>
             <a:endParaRPr lang="fr-FR"/>
           </a:p>
@@ -4334,6 +4335,112 @@
 </p:sld>
 </file>
 
+<file path=ppt/slides/slide7.xml><?xml version="1.0" encoding="utf-8"?>
+<p:sld xmlns:a="http://schemas.openxmlformats.org/drawingml/2006/main" xmlns:r="http://schemas.openxmlformats.org/officeDocument/2006/relationships" xmlns:p="http://schemas.openxmlformats.org/presentationml/2006/main">
+  <p:cSld>
+    <p:spTree>
+      <p:nvGrpSpPr>
+        <p:cNvPr id="1" name=""/>
+        <p:cNvGrpSpPr/>
+        <p:nvPr/>
+      </p:nvGrpSpPr>
+      <p:grpSpPr>
+        <a:xfrm>
+          <a:off x="0" y="0"/>
+          <a:ext cx="0" cy="0"/>
+          <a:chOff x="0" y="0"/>
+          <a:chExt cx="0" cy="0"/>
+        </a:xfrm>
+      </p:grpSpPr>
+      <p:sp>
+        <p:nvSpPr>
+          <p:cNvPr id="4" name="Rectangle 3"/>
+          <p:cNvSpPr/>
+          <p:nvPr/>
+        </p:nvSpPr>
+        <p:spPr>
+          <a:xfrm>
+            <a:off x="0" y="0"/>
+            <a:ext cx="12192000" cy="6858000"/>
+          </a:xfrm>
+          <a:prstGeom prst="rect">
+            <a:avLst/>
+          </a:prstGeom>
+        </p:spPr>
+        <p:style>
+          <a:lnRef idx="2">
+            <a:schemeClr val="dk1">
+              <a:shade val="50000"/>
+            </a:schemeClr>
+          </a:lnRef>
+          <a:fillRef idx="1">
+            <a:schemeClr val="dk1"/>
+          </a:fillRef>
+          <a:effectRef idx="0">
+            <a:schemeClr val="dk1"/>
+          </a:effectRef>
+          <a:fontRef idx="minor">
+            <a:schemeClr val="lt1"/>
+          </a:fontRef>
+        </p:style>
+        <p:txBody>
+          <a:bodyPr rtlCol="0" anchor="ctr"/>
+          <a:lstStyle/>
+          <a:p>
+            <a:pPr algn="ctr"/>
+            <a:endParaRPr lang="fr-FR"/>
+          </a:p>
+        </p:txBody>
+      </p:sp>
+      <p:pic>
+        <p:nvPicPr>
+          <p:cNvPr id="3" name="Picture 2" descr="A close up of a logo&#10;&#10;Description automatically generated">
+            <a:extLst>
+              <a:ext uri="{FF2B5EF4-FFF2-40B4-BE49-F238E27FC236}">
+                <a16:creationId xmlns:a16="http://schemas.microsoft.com/office/drawing/2014/main" id="{D8C11852-8738-D141-BDEA-107481D4E033}"/>
+              </a:ext>
+            </a:extLst>
+          </p:cNvPr>
+          <p:cNvPicPr>
+            <a:picLocks noChangeAspect="1"/>
+          </p:cNvPicPr>
+          <p:nvPr/>
+        </p:nvPicPr>
+        <p:blipFill>
+          <a:blip r:embed="rId2">
+            <a:extLst>
+              <a:ext uri="{28A0092B-C50C-407E-A947-70E740481C1C}">
+                <a14:useLocalDpi xmlns:a14="http://schemas.microsoft.com/office/drawing/2010/main" val="0"/>
+              </a:ext>
+            </a:extLst>
+          </a:blip>
+          <a:stretch>
+            <a:fillRect/>
+          </a:stretch>
+        </p:blipFill>
+        <p:spPr>
+          <a:xfrm>
+            <a:off x="3836284" y="661409"/>
+            <a:ext cx="4541126" cy="5556201"/>
+          </a:xfrm>
+          <a:prstGeom prst="rect">
+            <a:avLst/>
+          </a:prstGeom>
+        </p:spPr>
+      </p:pic>
+    </p:spTree>
+    <p:extLst>
+      <p:ext uri="{BB962C8B-B14F-4D97-AF65-F5344CB8AC3E}">
+        <p14:creationId xmlns:p14="http://schemas.microsoft.com/office/powerpoint/2010/main" val="2169350774"/>
+      </p:ext>
+    </p:extLst>
+  </p:cSld>
+  <p:clrMapOvr>
+    <a:masterClrMapping/>
+  </p:clrMapOvr>
+</p:sld>
+</file>
+
 <file path=ppt/theme/theme1.xml><?xml version="1.0" encoding="utf-8"?>
 <a:theme xmlns:a="http://schemas.openxmlformats.org/drawingml/2006/main" name="Thème Office">
   <a:themeElements>
